--- a/slides/00.Introduction/template.pptx
+++ b/slides/00.Introduction/template.pptx
@@ -166,7 +166,7 @@
             <a:fld id="{ECD19FB2-3AAB-4D03-B13A-2960828C78E3}" type="datetimeFigureOut">
               <a:rPr lang="en-US" smtClean="0"/>
               <a:pPr/>
-              <a:t>3/8/2021</a:t>
+              <a:t>3/10/2021</a:t>
             </a:fld>
             <a:endParaRPr lang="en-US" dirty="0"/>
           </a:p>
@@ -510,7 +510,7 @@
             <a:fld id="{99916976-5D93-46E4-A98A-FAD63E4D0EA8}" type="datetimeFigureOut">
               <a:rPr lang="en-US" smtClean="0"/>
               <a:pPr/>
-              <a:t>3/8/2021</a:t>
+              <a:t>3/10/2021</a:t>
             </a:fld>
             <a:endParaRPr lang="en-US" dirty="0"/>
           </a:p>
@@ -616,8 +616,8 @@
         </p:nvSpPr>
         <p:spPr>
           <a:xfrm>
-            <a:off x="838199" y="1825625"/>
-            <a:ext cx="10871199" cy="4351338"/>
+            <a:off x="838199" y="1492370"/>
+            <a:ext cx="10871199" cy="4684593"/>
           </a:xfrm>
         </p:spPr>
         <p:txBody>
@@ -1461,7 +1461,7 @@
           <a:p>
             <a:fld id="{D23BC6CE-6D1E-47E5-8859-F31AC5380EB2}" type="datetimeFigureOut">
               <a:rPr lang="en-US" dirty="0"/>
-              <a:t>3/8/2021</a:t>
+              <a:t>3/10/2021</a:t>
             </a:fld>
             <a:endParaRPr lang="en-US" dirty="0"/>
           </a:p>
@@ -1840,7 +1840,7 @@
           <a:p>
             <a:fld id="{51CF1133-3259-4C45-BABA-5B62D9C6F78D}" type="datetimeFigureOut">
               <a:rPr lang="en-US" dirty="0"/>
-              <a:t>3/8/2021</a:t>
+              <a:t>3/10/2021</a:t>
             </a:fld>
             <a:endParaRPr lang="en-US" dirty="0"/>
           </a:p>
@@ -2287,7 +2287,7 @@
         <a:sysClr val="windowText" lastClr="000000"/>
       </a:dk1>
       <a:lt1>
-        <a:sysClr val="window" lastClr="CCE8CF"/>
+        <a:sysClr val="window" lastClr="FFFFFF"/>
       </a:lt1>
       <a:dk2>
         <a:srgbClr val="1296DB"/>

--- a/slides/00.Introduction/template.pptx
+++ b/slides/00.Introduction/template.pptx
@@ -166,7 +166,7 @@
             <a:fld id="{ECD19FB2-3AAB-4D03-B13A-2960828C78E3}" type="datetimeFigureOut">
               <a:rPr lang="en-US" smtClean="0"/>
               <a:pPr/>
-              <a:t>3/10/2021</a:t>
+              <a:t>4/5/2021</a:t>
             </a:fld>
             <a:endParaRPr lang="en-US" dirty="0"/>
           </a:p>
@@ -510,7 +510,7 @@
             <a:fld id="{99916976-5D93-46E4-A98A-FAD63E4D0EA8}" type="datetimeFigureOut">
               <a:rPr lang="en-US" smtClean="0"/>
               <a:pPr/>
-              <a:t>3/10/2021</a:t>
+              <a:t>4/5/2021</a:t>
             </a:fld>
             <a:endParaRPr lang="en-US" dirty="0"/>
           </a:p>
@@ -574,8 +574,8 @@
         </p:nvSpPr>
         <p:spPr>
           <a:xfrm>
-            <a:off x="838199" y="362260"/>
-            <a:ext cx="6304722" cy="637553"/>
+            <a:off x="838198" y="362260"/>
+            <a:ext cx="8486957" cy="637553"/>
           </a:xfrm>
         </p:spPr>
         <p:txBody>
@@ -1178,8 +1178,8 @@
         </p:nvSpPr>
         <p:spPr>
           <a:xfrm>
-            <a:off x="670057" y="1640114"/>
-            <a:ext cx="4773211" cy="4577217"/>
+            <a:off x="670057" y="1526876"/>
+            <a:ext cx="4805129" cy="4690456"/>
           </a:xfrm>
           <a:ln>
             <a:noFill/>
@@ -1309,8 +1309,8 @@
         </p:nvSpPr>
         <p:spPr>
           <a:xfrm>
-            <a:off x="5658928" y="1640114"/>
-            <a:ext cx="6050471" cy="4536849"/>
+            <a:off x="5848709" y="1526874"/>
+            <a:ext cx="5860690" cy="4690456"/>
           </a:xfrm>
         </p:spPr>
         <p:txBody>
@@ -1461,7 +1461,7 @@
           <a:p>
             <a:fld id="{D23BC6CE-6D1E-47E5-8859-F31AC5380EB2}" type="datetimeFigureOut">
               <a:rPr lang="en-US" dirty="0"/>
-              <a:t>3/10/2021</a:t>
+              <a:t>4/5/2021</a:t>
             </a:fld>
             <a:endParaRPr lang="en-US" dirty="0"/>
           </a:p>
@@ -1584,8 +1584,8 @@
         </p:nvSpPr>
         <p:spPr>
           <a:xfrm rot="5400000">
-            <a:off x="3196568" y="3963000"/>
-            <a:ext cx="4716235" cy="70463"/>
+            <a:off x="3309221" y="3849243"/>
+            <a:ext cx="4690456" cy="45719"/>
           </a:xfrm>
           <a:prstGeom prst="rect">
             <a:avLst/>
@@ -1840,7 +1840,7 @@
           <a:p>
             <a:fld id="{51CF1133-3259-4C45-BABA-5B62D9C6F78D}" type="datetimeFigureOut">
               <a:rPr lang="en-US" dirty="0"/>
-              <a:t>3/10/2021</a:t>
+              <a:t>4/5/2021</a:t>
             </a:fld>
             <a:endParaRPr lang="en-US" dirty="0"/>
           </a:p>
@@ -2287,7 +2287,7 @@
         <a:sysClr val="windowText" lastClr="000000"/>
       </a:dk1>
       <a:lt1>
-        <a:sysClr val="window" lastClr="FFFFFF"/>
+        <a:sysClr val="window" lastClr="CCE8CF"/>
       </a:lt1>
       <a:dk2>
         <a:srgbClr val="1296DB"/>

--- a/slides/00.Introduction/template.pptx
+++ b/slides/00.Introduction/template.pptx
@@ -166,7 +166,7 @@
             <a:fld id="{ECD19FB2-3AAB-4D03-B13A-2960828C78E3}" type="datetimeFigureOut">
               <a:rPr lang="en-US" smtClean="0"/>
               <a:pPr/>
-              <a:t>4/5/2021</a:t>
+              <a:t>4/9/2021</a:t>
             </a:fld>
             <a:endParaRPr lang="en-US" dirty="0"/>
           </a:p>
@@ -510,7 +510,7 @@
             <a:fld id="{99916976-5D93-46E4-A98A-FAD63E4D0EA8}" type="datetimeFigureOut">
               <a:rPr lang="en-US" smtClean="0"/>
               <a:pPr/>
-              <a:t>4/5/2021</a:t>
+              <a:t>4/9/2021</a:t>
             </a:fld>
             <a:endParaRPr lang="en-US" dirty="0"/>
           </a:p>
@@ -646,10 +646,10 @@
                 <a:spcPct val="100000"/>
               </a:lnSpc>
               <a:spcBef>
-                <a:spcPts val="600"/>
+                <a:spcPts val="200"/>
               </a:spcBef>
               <a:spcAft>
-                <a:spcPts val="600"/>
+                <a:spcPts val="0"/>
               </a:spcAft>
               <a:buClr>
                 <a:srgbClr val="1296DB"/>
@@ -659,55 +659,58 @@
                 <a:ea typeface="等线" panose="02010600030101010101" pitchFamily="2" charset="-122"/>
               </a:defRPr>
             </a:lvl2pPr>
-            <a:lvl3pPr>
+            <a:lvl3pPr marL="914400" indent="0">
               <a:lnSpc>
                 <a:spcPct val="100000"/>
               </a:lnSpc>
               <a:spcBef>
-                <a:spcPts val="600"/>
+                <a:spcPts val="200"/>
               </a:spcBef>
               <a:spcAft>
-                <a:spcPts val="600"/>
+                <a:spcPts val="0"/>
               </a:spcAft>
               <a:buClr>
                 <a:srgbClr val="1296DB"/>
               </a:buClr>
+              <a:buNone/>
               <a:defRPr>
                 <a:latin typeface="等线" panose="02010600030101010101" pitchFamily="2" charset="-122"/>
                 <a:ea typeface="等线" panose="02010600030101010101" pitchFamily="2" charset="-122"/>
               </a:defRPr>
             </a:lvl3pPr>
-            <a:lvl4pPr>
+            <a:lvl4pPr marL="1371600" indent="0">
               <a:lnSpc>
                 <a:spcPct val="100000"/>
               </a:lnSpc>
               <a:spcBef>
-                <a:spcPts val="600"/>
+                <a:spcPts val="200"/>
               </a:spcBef>
               <a:spcAft>
-                <a:spcPts val="600"/>
+                <a:spcPts val="0"/>
               </a:spcAft>
               <a:buClr>
                 <a:srgbClr val="1296DB"/>
               </a:buClr>
+              <a:buNone/>
               <a:defRPr>
                 <a:latin typeface="等线" panose="02010600030101010101" pitchFamily="2" charset="-122"/>
                 <a:ea typeface="等线" panose="02010600030101010101" pitchFamily="2" charset="-122"/>
               </a:defRPr>
             </a:lvl4pPr>
-            <a:lvl5pPr>
+            <a:lvl5pPr marL="1828800" indent="0">
               <a:lnSpc>
                 <a:spcPct val="100000"/>
               </a:lnSpc>
               <a:spcBef>
-                <a:spcPts val="600"/>
+                <a:spcPts val="200"/>
               </a:spcBef>
               <a:spcAft>
-                <a:spcPts val="600"/>
+                <a:spcPts val="0"/>
               </a:spcAft>
               <a:buClr>
                 <a:srgbClr val="1296DB"/>
               </a:buClr>
+              <a:buNone/>
               <a:defRPr>
                 <a:latin typeface="等线" panose="02010600030101010101" pitchFamily="2" charset="-122"/>
                 <a:ea typeface="等线" panose="02010600030101010101" pitchFamily="2" charset="-122"/>
@@ -1461,7 +1464,7 @@
           <a:p>
             <a:fld id="{D23BC6CE-6D1E-47E5-8859-F31AC5380EB2}" type="datetimeFigureOut">
               <a:rPr lang="en-US" dirty="0"/>
-              <a:t>4/5/2021</a:t>
+              <a:t>4/9/2021</a:t>
             </a:fld>
             <a:endParaRPr lang="en-US" dirty="0"/>
           </a:p>
@@ -1840,7 +1843,7 @@
           <a:p>
             <a:fld id="{51CF1133-3259-4C45-BABA-5B62D9C6F78D}" type="datetimeFigureOut">
               <a:rPr lang="en-US" dirty="0"/>
-              <a:t>4/5/2021</a:t>
+              <a:t>4/9/2021</a:t>
             </a:fld>
             <a:endParaRPr lang="en-US" dirty="0"/>
           </a:p>
@@ -2287,7 +2290,7 @@
         <a:sysClr val="windowText" lastClr="000000"/>
       </a:dk1>
       <a:lt1>
-        <a:sysClr val="window" lastClr="CCE8CF"/>
+        <a:sysClr val="window" lastClr="FFFFFF"/>
       </a:lt1>
       <a:dk2>
         <a:srgbClr val="1296DB"/>

--- a/slides/00.Introduction/template.pptx
+++ b/slides/00.Introduction/template.pptx
@@ -152,6 +152,9 @@
             <a:off x="838201" y="6185060"/>
             <a:ext cx="2743200" cy="365125"/>
           </a:xfrm>
+          <a:prstGeom prst="rect">
+            <a:avLst/>
+          </a:prstGeom>
         </p:spPr>
         <p:txBody>
           <a:bodyPr/>
@@ -166,7 +169,7 @@
             <a:fld id="{ECD19FB2-3AAB-4D03-B13A-2960828C78E3}" type="datetimeFigureOut">
               <a:rPr lang="en-US" smtClean="0"/>
               <a:pPr/>
-              <a:t>4/9/2021</a:t>
+              <a:t>7/7/2021</a:t>
             </a:fld>
             <a:endParaRPr lang="en-US" dirty="0"/>
           </a:p>
@@ -187,6 +190,9 @@
             <a:off x="8610601" y="6184326"/>
             <a:ext cx="2743200" cy="365125"/>
           </a:xfrm>
+          <a:prstGeom prst="rect">
+            <a:avLst/>
+          </a:prstGeom>
         </p:spPr>
         <p:txBody>
           <a:bodyPr/>
@@ -326,7 +332,7 @@
                   <a:schemeClr val="tx1"/>
                 </a:solidFill>
                 <a:effectLst/>
-                <a:latin typeface="微软雅黑" panose="020B0503020204020204" pitchFamily="34" charset="-122"/>
+                <a:latin typeface="Univers" panose="020B0503020202020204" pitchFamily="34" charset="0"/>
                 <a:ea typeface="微软雅黑" panose="020B0503020204020204" pitchFamily="34" charset="-122"/>
               </a:defRPr>
             </a:lvl1pPr>
@@ -375,7 +381,7 @@
                 <a:solidFill>
                   <a:schemeClr val="tx1"/>
                 </a:solidFill>
-                <a:latin typeface="微软雅黑" panose="020B0503020204020204" pitchFamily="34" charset="-122"/>
+                <a:latin typeface="Univers" panose="020B0503020202020204" pitchFamily="34" charset="0"/>
                 <a:ea typeface="微软雅黑" panose="020B0503020204020204" pitchFamily="34" charset="-122"/>
               </a:defRPr>
             </a:lvl1pPr>
@@ -414,10 +420,9 @@
           </a:lstStyle>
           <a:p>
             <a:r>
-              <a:rPr lang="en-US"/>
+              <a:rPr lang="en-US" dirty="0"/>
               <a:t>Click to edit Master subtitle style</a:t>
             </a:r>
-            <a:endParaRPr lang="en-US" dirty="0"/>
           </a:p>
         </p:txBody>
       </p:sp>
@@ -483,81 +488,6 @@
       </p:pic>
       <p:sp>
         <p:nvSpPr>
-          <p:cNvPr id="4" name="Date Placeholder 3"/>
-          <p:cNvSpPr>
-            <a:spLocks noGrp="1"/>
-          </p:cNvSpPr>
-          <p:nvPr>
-            <p:ph type="dt" sz="half" idx="10"/>
-          </p:nvPr>
-        </p:nvSpPr>
-        <p:spPr/>
-        <p:txBody>
-          <a:bodyPr/>
-          <a:lstStyle>
-            <a:lvl1pPr>
-              <a:defRPr>
-                <a:solidFill>
-                  <a:schemeClr val="bg1">
-                    <a:lumMod val="65000"/>
-                    <a:lumOff val="35000"/>
-                  </a:schemeClr>
-                </a:solidFill>
-              </a:defRPr>
-            </a:lvl1pPr>
-          </a:lstStyle>
-          <a:p>
-            <a:fld id="{99916976-5D93-46E4-A98A-FAD63E4D0EA8}" type="datetimeFigureOut">
-              <a:rPr lang="en-US" smtClean="0"/>
-              <a:pPr/>
-              <a:t>4/9/2021</a:t>
-            </a:fld>
-            <a:endParaRPr lang="en-US" dirty="0"/>
-          </a:p>
-        </p:txBody>
-      </p:sp>
-      <p:sp>
-        <p:nvSpPr>
-          <p:cNvPr id="6" name="Slide Number Placeholder 5"/>
-          <p:cNvSpPr>
-            <a:spLocks noGrp="1"/>
-          </p:cNvSpPr>
-          <p:nvPr>
-            <p:ph type="sldNum" sz="quarter" idx="12"/>
-          </p:nvPr>
-        </p:nvSpPr>
-        <p:spPr>
-          <a:xfrm>
-            <a:off x="4724400" y="6356350"/>
-            <a:ext cx="2743200" cy="365125"/>
-          </a:xfrm>
-        </p:spPr>
-        <p:txBody>
-          <a:bodyPr/>
-          <a:lstStyle>
-            <a:lvl1pPr>
-              <a:defRPr>
-                <a:solidFill>
-                  <a:schemeClr val="bg1">
-                    <a:lumMod val="65000"/>
-                    <a:lumOff val="35000"/>
-                  </a:schemeClr>
-                </a:solidFill>
-              </a:defRPr>
-            </a:lvl1pPr>
-          </a:lstStyle>
-          <a:p>
-            <a:fld id="{6D22F896-40B5-4ADD-8801-0D06FADFA095}" type="slidenum">
-              <a:rPr lang="en-US" smtClean="0"/>
-              <a:pPr/>
-              <a:t>‹#›</a:t>
-            </a:fld>
-            <a:endParaRPr lang="en-US" dirty="0"/>
-          </a:p>
-        </p:txBody>
-      </p:sp>
-      <p:sp>
-        <p:nvSpPr>
           <p:cNvPr id="11" name="Title 1">
             <a:extLst>
               <a:ext uri="{FF2B5EF4-FFF2-40B4-BE49-F238E27FC236}">
@@ -611,7 +541,7 @@
             <a:spLocks noGrp="1"/>
           </p:cNvSpPr>
           <p:nvPr>
-            <p:ph idx="1"/>
+            <p:ph idx="1" hasCustomPrompt="1"/>
           </p:nvPr>
         </p:nvSpPr>
         <p:spPr>
@@ -637,7 +567,7 @@
                 <a:srgbClr val="1296DB"/>
               </a:buClr>
               <a:defRPr sz="2600">
-                <a:latin typeface="等线" panose="02010600030101010101" pitchFamily="2" charset="-122"/>
+                <a:latin typeface="Univers" panose="020B0503020202020204" pitchFamily="34" charset="0"/>
                 <a:ea typeface="等线" panose="02010600030101010101" pitchFamily="2" charset="-122"/>
               </a:defRPr>
             </a:lvl1pPr>
@@ -655,7 +585,7 @@
                 <a:srgbClr val="1296DB"/>
               </a:buClr>
               <a:defRPr sz="2400">
-                <a:latin typeface="等线" panose="02010600030101010101" pitchFamily="2" charset="-122"/>
+                <a:latin typeface="Univers" panose="020B0503020202020204" pitchFamily="34" charset="0"/>
                 <a:ea typeface="等线" panose="02010600030101010101" pitchFamily="2" charset="-122"/>
               </a:defRPr>
             </a:lvl2pPr>
@@ -674,7 +604,7 @@
               </a:buClr>
               <a:buNone/>
               <a:defRPr>
-                <a:latin typeface="等线" panose="02010600030101010101" pitchFamily="2" charset="-122"/>
+                <a:latin typeface="Univers" panose="020B0503020202020204" pitchFamily="34" charset="0"/>
                 <a:ea typeface="等线" panose="02010600030101010101" pitchFamily="2" charset="-122"/>
               </a:defRPr>
             </a:lvl3pPr>
@@ -693,7 +623,7 @@
               </a:buClr>
               <a:buNone/>
               <a:defRPr>
-                <a:latin typeface="等线" panose="02010600030101010101" pitchFamily="2" charset="-122"/>
+                <a:latin typeface="Univers" panose="020B0503020202020204" pitchFamily="34" charset="0"/>
                 <a:ea typeface="等线" panose="02010600030101010101" pitchFamily="2" charset="-122"/>
               </a:defRPr>
             </a:lvl4pPr>
@@ -712,7 +642,7 @@
               </a:buClr>
               <a:buNone/>
               <a:defRPr>
-                <a:latin typeface="等线" panose="02010600030101010101" pitchFamily="2" charset="-122"/>
+                <a:latin typeface="Univers" panose="020B0503020202020204" pitchFamily="34" charset="0"/>
                 <a:ea typeface="等线" panose="02010600030101010101" pitchFamily="2" charset="-122"/>
               </a:defRPr>
             </a:lvl5pPr>
@@ -729,27 +659,6 @@
             <a:r>
               <a:rPr lang="en-US" dirty="0"/>
               <a:t>Second level</a:t>
-            </a:r>
-          </a:p>
-          <a:p>
-            <a:pPr lvl="2"/>
-            <a:r>
-              <a:rPr lang="en-US" dirty="0"/>
-              <a:t>Third level</a:t>
-            </a:r>
-          </a:p>
-          <a:p>
-            <a:pPr lvl="3"/>
-            <a:r>
-              <a:rPr lang="en-US" dirty="0"/>
-              <a:t>Fourth level</a:t>
-            </a:r>
-          </a:p>
-          <a:p>
-            <a:pPr lvl="4"/>
-            <a:r>
-              <a:rPr lang="en-US" dirty="0"/>
-              <a:t>Fifth level</a:t>
             </a:r>
           </a:p>
         </p:txBody>
@@ -1447,56 +1356,6 @@
           </a:p>
         </p:txBody>
       </p:sp>
-      <p:sp>
-        <p:nvSpPr>
-          <p:cNvPr id="5" name="Date Placeholder 4"/>
-          <p:cNvSpPr>
-            <a:spLocks noGrp="1"/>
-          </p:cNvSpPr>
-          <p:nvPr>
-            <p:ph type="dt" sz="half" idx="10"/>
-          </p:nvPr>
-        </p:nvSpPr>
-        <p:spPr/>
-        <p:txBody>
-          <a:bodyPr/>
-          <a:lstStyle/>
-          <a:p>
-            <a:fld id="{D23BC6CE-6D1E-47E5-8859-F31AC5380EB2}" type="datetimeFigureOut">
-              <a:rPr lang="en-US" dirty="0"/>
-              <a:t>4/9/2021</a:t>
-            </a:fld>
-            <a:endParaRPr lang="en-US" dirty="0"/>
-          </a:p>
-        </p:txBody>
-      </p:sp>
-      <p:sp>
-        <p:nvSpPr>
-          <p:cNvPr id="6" name="Footer Placeholder 5"/>
-          <p:cNvSpPr>
-            <a:spLocks noGrp="1"/>
-          </p:cNvSpPr>
-          <p:nvPr>
-            <p:ph type="ftr" sz="quarter" idx="11"/>
-          </p:nvPr>
-        </p:nvSpPr>
-        <p:spPr>
-          <a:xfrm>
-            <a:off x="4038600" y="6356350"/>
-            <a:ext cx="4114800" cy="365125"/>
-          </a:xfrm>
-          <a:prstGeom prst="rect">
-            <a:avLst/>
-          </a:prstGeom>
-        </p:spPr>
-        <p:txBody>
-          <a:bodyPr/>
-          <a:lstStyle/>
-          <a:p>
-            <a:endParaRPr lang="en-US" dirty="0"/>
-          </a:p>
-        </p:txBody>
-      </p:sp>
       <p:pic>
         <p:nvPicPr>
           <p:cNvPr id="9" name="image1.png" descr="image1.png">
@@ -1790,125 +1649,6 @@
           </a:p>
         </p:txBody>
       </p:sp>
-      <p:sp>
-        <p:nvSpPr>
-          <p:cNvPr id="4" name="Date Placeholder 3"/>
-          <p:cNvSpPr>
-            <a:spLocks noGrp="1"/>
-          </p:cNvSpPr>
-          <p:nvPr>
-            <p:ph type="dt" sz="half" idx="2"/>
-          </p:nvPr>
-        </p:nvSpPr>
-        <p:spPr>
-          <a:xfrm>
-            <a:off x="838200" y="6356350"/>
-            <a:ext cx="2743200" cy="365125"/>
-          </a:xfrm>
-          <a:prstGeom prst="rect">
-            <a:avLst/>
-          </a:prstGeom>
-        </p:spPr>
-        <p:txBody>
-          <a:bodyPr vert="horz" lIns="91440" tIns="45720" rIns="91440" bIns="45720" rtlCol="0" anchor="ctr"/>
-          <a:lstStyle>
-            <a:lvl1pPr algn="l">
-              <a:defRPr sz="1200">
-                <a:gradFill flip="none" rotWithShape="1">
-                  <a:gsLst>
-                    <a:gs pos="28000">
-                      <a:schemeClr val="tx1">
-                        <a:lumMod val="93000"/>
-                      </a:schemeClr>
-                    </a:gs>
-                    <a:gs pos="0">
-                      <a:schemeClr val="bg1">
-                        <a:lumMod val="38000"/>
-                        <a:lumOff val="62000"/>
-                      </a:schemeClr>
-                    </a:gs>
-                    <a:gs pos="100000">
-                      <a:schemeClr val="tx2">
-                        <a:lumMod val="0"/>
-                        <a:lumOff val="100000"/>
-                      </a:schemeClr>
-                    </a:gs>
-                  </a:gsLst>
-                  <a:lin ang="5400000" scaled="1"/>
-                  <a:tileRect/>
-                </a:gradFill>
-              </a:defRPr>
-            </a:lvl1pPr>
-          </a:lstStyle>
-          <a:p>
-            <a:fld id="{51CF1133-3259-4C45-BABA-5B62D9C6F78D}" type="datetimeFigureOut">
-              <a:rPr lang="en-US" dirty="0"/>
-              <a:t>4/9/2021</a:t>
-            </a:fld>
-            <a:endParaRPr lang="en-US" dirty="0"/>
-          </a:p>
-        </p:txBody>
-      </p:sp>
-      <p:sp>
-        <p:nvSpPr>
-          <p:cNvPr id="6" name="Slide Number Placeholder 5"/>
-          <p:cNvSpPr>
-            <a:spLocks noGrp="1"/>
-          </p:cNvSpPr>
-          <p:nvPr>
-            <p:ph type="sldNum" sz="quarter" idx="4"/>
-          </p:nvPr>
-        </p:nvSpPr>
-        <p:spPr>
-          <a:xfrm>
-            <a:off x="8610600" y="6356350"/>
-            <a:ext cx="2743200" cy="365125"/>
-          </a:xfrm>
-          <a:prstGeom prst="rect">
-            <a:avLst/>
-          </a:prstGeom>
-        </p:spPr>
-        <p:txBody>
-          <a:bodyPr vert="horz" lIns="91440" tIns="45720" rIns="91440" bIns="45720" rtlCol="0" anchor="ctr"/>
-          <a:lstStyle>
-            <a:lvl1pPr algn="r">
-              <a:defRPr sz="1200">
-                <a:gradFill flip="none" rotWithShape="1">
-                  <a:gsLst>
-                    <a:gs pos="28000">
-                      <a:schemeClr val="tx1">
-                        <a:lumMod val="93000"/>
-                      </a:schemeClr>
-                    </a:gs>
-                    <a:gs pos="0">
-                      <a:schemeClr val="bg1">
-                        <a:lumMod val="38000"/>
-                        <a:lumOff val="62000"/>
-                      </a:schemeClr>
-                    </a:gs>
-                    <a:gs pos="100000">
-                      <a:schemeClr val="tx2">
-                        <a:lumMod val="0"/>
-                        <a:lumOff val="100000"/>
-                      </a:schemeClr>
-                    </a:gs>
-                  </a:gsLst>
-                  <a:lin ang="5400000" scaled="1"/>
-                  <a:tileRect/>
-                </a:gradFill>
-              </a:defRPr>
-            </a:lvl1pPr>
-          </a:lstStyle>
-          <a:p>
-            <a:fld id="{6D22F896-40B5-4ADD-8801-0D06FADFA095}" type="slidenum">
-              <a:rPr lang="en-US" dirty="0"/>
-              <a:pPr/>
-              <a:t>‹#›</a:t>
-            </a:fld>
-            <a:endParaRPr lang="en-US" dirty="0"/>
-          </a:p>
-        </p:txBody>
-      </p:sp>
     </p:spTree>
   </p:cSld>
   <p:clrMap bg1="dk1" tx1="lt1" bg2="dk2" tx2="lt2" accent1="accent1" accent2="accent2" accent3="accent3" accent4="accent4" accent5="accent5" accent6="accent6" hlink="hlink" folHlink="folHlink"/>
@@ -1936,7 +1676,7 @@
           <a:solidFill>
             <a:schemeClr val="bg1"/>
           </a:solidFill>
-          <a:latin typeface="+mj-lt"/>
+          <a:latin typeface="Univers" panose="020B0503020202020204" pitchFamily="34" charset="0"/>
           <a:ea typeface="+mj-ea"/>
           <a:cs typeface="+mj-cs"/>
         </a:defRPr>
@@ -1959,7 +1699,7 @@
           <a:solidFill>
             <a:schemeClr val="bg1"/>
           </a:solidFill>
-          <a:latin typeface="+mn-lt"/>
+          <a:latin typeface="Univers" panose="020B0503020202020204" pitchFamily="34" charset="0"/>
           <a:ea typeface="+mn-ea"/>
           <a:cs typeface="+mn-cs"/>
         </a:defRPr>
@@ -1980,7 +1720,7 @@
           <a:solidFill>
             <a:schemeClr val="bg1"/>
           </a:solidFill>
-          <a:latin typeface="+mn-lt"/>
+          <a:latin typeface="Univers" panose="020B0503020202020204" pitchFamily="34" charset="0"/>
           <a:ea typeface="+mn-ea"/>
           <a:cs typeface="+mn-cs"/>
         </a:defRPr>
@@ -2001,7 +1741,7 @@
           <a:solidFill>
             <a:schemeClr val="bg1"/>
           </a:solidFill>
-          <a:latin typeface="+mn-lt"/>
+          <a:latin typeface="Univers" panose="020B0503020202020204" pitchFamily="34" charset="0"/>
           <a:ea typeface="+mn-ea"/>
           <a:cs typeface="+mn-cs"/>
         </a:defRPr>
@@ -2022,7 +1762,7 @@
           <a:solidFill>
             <a:schemeClr val="bg1"/>
           </a:solidFill>
-          <a:latin typeface="+mn-lt"/>
+          <a:latin typeface="Univers" panose="020B0503020202020204" pitchFamily="34" charset="0"/>
           <a:ea typeface="+mn-ea"/>
           <a:cs typeface="+mn-cs"/>
         </a:defRPr>
@@ -2043,7 +1783,7 @@
           <a:solidFill>
             <a:schemeClr val="bg1"/>
           </a:solidFill>
-          <a:latin typeface="+mn-lt"/>
+          <a:latin typeface="Univers" panose="020B0503020202020204" pitchFamily="34" charset="0"/>
           <a:ea typeface="+mn-ea"/>
           <a:cs typeface="+mn-cs"/>
         </a:defRPr>
